--- a/BC_Slide/Hệ thống IOT.pptx
+++ b/BC_Slide/Hệ thống IOT.pptx
@@ -591,7 +591,7 @@
           <a:p>
             <a:fld id="{EA0C0817-A112-4847-8014-A94B7D2A4EA3}" type="datetime1">
               <a:rPr lang="en-US" smtClean="0"/>
-              <a:t>02-Mar-22</a:t>
+              <a:t>03-Mar-22</a:t>
             </a:fld>
             <a:endParaRPr lang="en-US" dirty="0"/>
           </a:p>
@@ -793,7 +793,7 @@
           <a:p>
             <a:fld id="{7332B432-ACDA-4023-A761-2BAB76577B62}" type="datetime1">
               <a:rPr lang="en-US" smtClean="0"/>
-              <a:t>02-Mar-22</a:t>
+              <a:t>03-Mar-22</a:t>
             </a:fld>
             <a:endParaRPr lang="en-US" dirty="0"/>
           </a:p>
@@ -1392,7 +1392,7 @@
           <a:p>
             <a:fld id="{D9C646AA-F36E-4540-911D-FFFC0A0EF24A}" type="datetime1">
               <a:rPr lang="en-US" smtClean="0"/>
-              <a:t>02-Mar-22</a:t>
+              <a:t>03-Mar-22</a:t>
             </a:fld>
             <a:endParaRPr lang="en-US" dirty="0"/>
           </a:p>
@@ -1712,7 +1712,7 @@
           <a:p>
             <a:fld id="{69186D26-FA5F-4637-B602-B7C2DC34CFD4}" type="datetime1">
               <a:rPr lang="en-US" smtClean="0"/>
-              <a:t>02-Mar-22</a:t>
+              <a:t>03-Mar-22</a:t>
             </a:fld>
             <a:endParaRPr lang="en-US" dirty="0"/>
           </a:p>
@@ -2149,7 +2149,7 @@
           <a:p>
             <a:fld id="{8A7F15D8-96D1-4781-BC50-CA8A088B2FE4}" type="datetime1">
               <a:rPr lang="en-US" smtClean="0"/>
-              <a:t>02-Mar-22</a:t>
+              <a:t>03-Mar-22</a:t>
             </a:fld>
             <a:endParaRPr lang="en-US" dirty="0"/>
           </a:p>
@@ -2267,7 +2267,7 @@
           <a:p>
             <a:fld id="{F9A96C99-B8F8-4528-BD05-0E16E943DC09}" type="datetime1">
               <a:rPr lang="en-US" smtClean="0"/>
-              <a:t>02-Mar-22</a:t>
+              <a:t>03-Mar-22</a:t>
             </a:fld>
             <a:endParaRPr lang="en-US" dirty="0"/>
           </a:p>
@@ -2362,7 +2362,7 @@
           <a:p>
             <a:fld id="{03636942-C211-4B28-8DBD-C953E00AF71B}" type="datetime1">
               <a:rPr lang="en-US" smtClean="0"/>
-              <a:t>02-Mar-22</a:t>
+              <a:t>03-Mar-22</a:t>
             </a:fld>
             <a:endParaRPr lang="en-US" dirty="0"/>
           </a:p>
@@ -2779,7 +2779,7 @@
           <a:p>
             <a:fld id="{7E8D12A6-918A-48BD-8CB9-CA713993B0EA}" type="datetime1">
               <a:rPr lang="en-US" smtClean="0"/>
-              <a:t>02-Mar-22</a:t>
+              <a:t>03-Mar-22</a:t>
             </a:fld>
             <a:endParaRPr lang="en-US" dirty="0"/>
           </a:p>
@@ -3041,7 +3041,7 @@
             <a:fld id="{E778CE86-875F-4587-BCF6-FA054AFC0D53}" type="datetime1">
               <a:rPr lang="en-US" smtClean="0"/>
               <a:pPr/>
-              <a:t>02-Mar-22</a:t>
+              <a:t>03-Mar-22</a:t>
             </a:fld>
             <a:endParaRPr lang="en-US" dirty="0"/>
           </a:p>
@@ -3557,7 +3557,7 @@
           <a:p>
             <a:fld id="{F6FA2B21-3FCD-4721-B95C-427943F61125}" type="datetime1">
               <a:rPr lang="en-US" smtClean="0"/>
-              <a:t>02-Mar-22</a:t>
+              <a:t>03-Mar-22</a:t>
             </a:fld>
             <a:endParaRPr lang="en-US" dirty="0"/>
           </a:p>
@@ -4243,7 +4243,7 @@
                 <a:latin typeface="Arial" panose="020B0604020202020204" pitchFamily="34" charset="0"/>
                 <a:cs typeface="Arial" panose="020B0604020202020204" pitchFamily="34" charset="0"/>
               </a:rPr>
-              <a:t>SV: Trần Đức Sơn</a:t>
+              <a:t>SV:</a:t>
             </a:r>
           </a:p>
         </p:txBody>
@@ -5748,12 +5748,12 @@
 </file>
 
 <file path=customXml/item1.xml><?xml version="1.0" encoding="utf-8"?>
-<?mso-contentType ?>
-<FormTemplates xmlns="http://schemas.microsoft.com/sharepoint/v3/contenttype/forms">
-  <Display>DocumentLibraryForm</Display>
-  <Edit>DocumentLibraryForm</Edit>
-  <New>DocumentLibraryForm</New>
-</FormTemplates>
+<p:properties xmlns:p="http://schemas.microsoft.com/office/2006/metadata/properties" xmlns:xsi="http://www.w3.org/2001/XMLSchema-instance" xmlns:pc="http://schemas.microsoft.com/office/infopath/2007/PartnerControls">
+  <documentManagement>
+    <Status xmlns="71af3243-3dd4-4a8d-8c0d-dd76da1f02a5">Not started</Status>
+    <MediaServiceKeyPoints xmlns="71af3243-3dd4-4a8d-8c0d-dd76da1f02a5" xsi:nil="true"/>
+  </documentManagement>
+</p:properties>
 </file>
 
 <file path=customXml/item2.xml><?xml version="1.0" encoding="utf-8"?>
@@ -5978,18 +5978,20 @@
 </file>
 
 <file path=customXml/item3.xml><?xml version="1.0" encoding="utf-8"?>
-<p:properties xmlns:p="http://schemas.microsoft.com/office/2006/metadata/properties" xmlns:xsi="http://www.w3.org/2001/XMLSchema-instance" xmlns:pc="http://schemas.microsoft.com/office/infopath/2007/PartnerControls">
-  <documentManagement>
-    <Status xmlns="71af3243-3dd4-4a8d-8c0d-dd76da1f02a5">Not started</Status>
-    <MediaServiceKeyPoints xmlns="71af3243-3dd4-4a8d-8c0d-dd76da1f02a5" xsi:nil="true"/>
-  </documentManagement>
-</p:properties>
+<?mso-contentType ?>
+<FormTemplates xmlns="http://schemas.microsoft.com/sharepoint/v3/contenttype/forms">
+  <Display>DocumentLibraryForm</Display>
+  <Edit>DocumentLibraryForm</Edit>
+  <New>DocumentLibraryForm</New>
+</FormTemplates>
 </file>
 
 <file path=customXml/itemProps1.xml><?xml version="1.0" encoding="utf-8"?>
-<ds:datastoreItem xmlns:ds="http://schemas.openxmlformats.org/officeDocument/2006/customXml" ds:itemID="{CDB58277-F8DF-46FF-84EC-EF41B835E69F}">
+<ds:datastoreItem xmlns:ds="http://schemas.openxmlformats.org/officeDocument/2006/customXml" ds:itemID="{137651BA-F45C-4845-9AB3-E0A65B39F5E1}">
   <ds:schemaRefs>
-    <ds:schemaRef ds:uri="http://schemas.microsoft.com/sharepoint/v3/contenttype/forms"/>
+    <ds:schemaRef ds:uri="http://schemas.microsoft.com/office/2006/metadata/properties"/>
+    <ds:schemaRef ds:uri="http://schemas.microsoft.com/office/infopath/2007/PartnerControls"/>
+    <ds:schemaRef ds:uri="71af3243-3dd4-4a8d-8c0d-dd76da1f02a5"/>
   </ds:schemaRefs>
 </ds:datastoreItem>
 </file>
@@ -6014,11 +6016,9 @@
 </file>
 
 <file path=customXml/itemProps3.xml><?xml version="1.0" encoding="utf-8"?>
-<ds:datastoreItem xmlns:ds="http://schemas.openxmlformats.org/officeDocument/2006/customXml" ds:itemID="{137651BA-F45C-4845-9AB3-E0A65B39F5E1}">
+<ds:datastoreItem xmlns:ds="http://schemas.openxmlformats.org/officeDocument/2006/customXml" ds:itemID="{CDB58277-F8DF-46FF-84EC-EF41B835E69F}">
   <ds:schemaRefs>
-    <ds:schemaRef ds:uri="http://schemas.microsoft.com/office/2006/metadata/properties"/>
-    <ds:schemaRef ds:uri="http://schemas.microsoft.com/office/infopath/2007/PartnerControls"/>
-    <ds:schemaRef ds:uri="71af3243-3dd4-4a8d-8c0d-dd76da1f02a5"/>
+    <ds:schemaRef ds:uri="http://schemas.microsoft.com/sharepoint/v3/contenttype/forms"/>
   </ds:schemaRefs>
 </ds:datastoreItem>
 </file>